--- a/meterials/slides/ch11-wxpay-and-oauth.pptx
+++ b/meterials/slides/ch11-wxpay-and-oauth.pptx
@@ -279,7 +279,7 @@
           <a:p>
             <a:fld id="{2B71C804-97F5-4B36-A7AC-EEEC7F44F6C2}" type="datetimeFigureOut">
               <a:rPr lang="zh-CN" altLang="en-US" smtClean="0"/>
-              <a:t>2017/9/6</a:t>
+              <a:t>2017/9/7</a:t>
             </a:fld>
             <a:endParaRPr lang="zh-CN" altLang="en-US"/>
           </a:p>
@@ -445,7 +445,7 @@
           <a:p>
             <a:fld id="{0568D9C6-D8DC-4CC3-8480-E0C4DBA1CC07}" type="datetimeFigureOut">
               <a:rPr lang="zh-CN" altLang="en-US" smtClean="0"/>
-              <a:t>2017/9/6</a:t>
+              <a:t>2017/9/7</a:t>
             </a:fld>
             <a:endParaRPr lang="zh-CN" altLang="en-US"/>
           </a:p>
@@ -1058,7 +1058,7 @@
           <a:p>
             <a:fld id="{DB9D664F-4C68-42D2-B189-678958EFAFDA}" type="datetime1">
               <a:rPr lang="zh-CN" altLang="en-US" smtClean="0"/>
-              <a:t>2017/9/6</a:t>
+              <a:t>2017/9/7</a:t>
             </a:fld>
             <a:endParaRPr lang="zh-CN" altLang="en-US"/>
           </a:p>
@@ -2040,7 +2040,7 @@
           <a:p>
             <a:fld id="{ED5513C8-E3A4-4D78-B249-887659A958FF}" type="datetime1">
               <a:rPr lang="en-US" altLang="zh-CN" smtClean="0"/>
-              <a:t>9/6/2017</a:t>
+              <a:t>9/7/2017</a:t>
             </a:fld>
             <a:endParaRPr lang="en-US"/>
           </a:p>
@@ -2218,7 +2218,7 @@
           <a:p>
             <a:fld id="{EBEDA52C-3EEE-4289-818C-901C0A7814FE}" type="datetime1">
               <a:rPr lang="en-US" altLang="zh-CN" smtClean="0"/>
-              <a:t>9/6/2017</a:t>
+              <a:t>9/7/2017</a:t>
             </a:fld>
             <a:endParaRPr lang="en-US"/>
           </a:p>
@@ -2472,7 +2472,7 @@
           <a:p>
             <a:fld id="{09EF5D7F-EA15-485C-85DD-8FDC010A62D4}" type="datetime1">
               <a:rPr lang="en-US" altLang="zh-CN" smtClean="0"/>
-              <a:t>9/6/2017</a:t>
+              <a:t>9/7/2017</a:t>
             </a:fld>
             <a:endParaRPr lang="en-US"/>
           </a:p>
@@ -2712,7 +2712,7 @@
           <a:p>
             <a:fld id="{9541C2B2-0BAB-4CD4-83EE-25F1A7138896}" type="datetime1">
               <a:rPr lang="en-US" altLang="zh-CN" smtClean="0"/>
-              <a:t>9/6/2017</a:t>
+              <a:t>9/7/2017</a:t>
             </a:fld>
             <a:endParaRPr lang="en-US"/>
           </a:p>
@@ -3087,7 +3087,7 @@
           <a:p>
             <a:fld id="{7DEA23E7-D0FC-41DC-8745-BE6FC447B182}" type="datetime1">
               <a:rPr lang="en-US" altLang="zh-CN" smtClean="0"/>
-              <a:t>9/6/2017</a:t>
+              <a:t>9/7/2017</a:t>
             </a:fld>
             <a:endParaRPr lang="en-US"/>
           </a:p>
@@ -3872,7 +3872,7 @@
           <a:p>
             <a:fld id="{5DEA8378-5F33-490B-8120-8DE6B7EE2781}" type="datetime1">
               <a:rPr lang="en-US" altLang="zh-CN" smtClean="0"/>
-              <a:t>9/6/2017</a:t>
+              <a:t>9/7/2017</a:t>
             </a:fld>
             <a:endParaRPr lang="en-US"/>
           </a:p>
@@ -4126,7 +4126,7 @@
           <a:p>
             <a:fld id="{38DD30CF-78A7-4C73-91B4-38D3E3317745}" type="datetime1">
               <a:rPr lang="en-US" altLang="zh-CN" smtClean="0"/>
-              <a:t>9/6/2017</a:t>
+              <a:t>9/7/2017</a:t>
             </a:fld>
             <a:endParaRPr lang="en-US"/>
           </a:p>
@@ -4229,7 +4229,7 @@
           <a:p>
             <a:fld id="{A1BE0A72-8501-4974-A7B7-5BD248ABBAFC}" type="datetime1">
               <a:rPr lang="zh-CN" altLang="en-US" smtClean="0"/>
-              <a:t>2017/9/6</a:t>
+              <a:t>2017/9/7</a:t>
             </a:fld>
             <a:endParaRPr lang="zh-CN" altLang="en-US"/>
           </a:p>
@@ -4490,7 +4490,7 @@
           <a:p>
             <a:fld id="{0B7E01DD-16D0-4DBA-9C1A-51468BA0B73A}" type="datetime1">
               <a:rPr lang="en-US" altLang="zh-CN" smtClean="0"/>
-              <a:t>9/6/2017</a:t>
+              <a:t>9/7/2017</a:t>
             </a:fld>
             <a:endParaRPr lang="en-US"/>
           </a:p>
@@ -4668,7 +4668,7 @@
           <a:p>
             <a:fld id="{B587E63F-0E62-4A50-901F-E071D77F7634}" type="datetime1">
               <a:rPr lang="en-US" altLang="zh-CN" smtClean="0"/>
-              <a:t>9/6/2017</a:t>
+              <a:t>9/7/2017</a:t>
             </a:fld>
             <a:endParaRPr lang="en-US"/>
           </a:p>
@@ -4856,7 +4856,7 @@
           <a:p>
             <a:fld id="{BD8521E8-9297-400B-AD8C-0A4D05699D33}" type="datetime1">
               <a:rPr lang="en-US" altLang="zh-CN" smtClean="0"/>
-              <a:t>9/6/2017</a:t>
+              <a:t>9/7/2017</a:t>
             </a:fld>
             <a:endParaRPr lang="en-US"/>
           </a:p>
@@ -5087,7 +5087,7 @@
           <a:p>
             <a:fld id="{ED5513C8-E3A4-4D78-B249-887659A958FF}" type="datetime1">
               <a:rPr lang="en-US" altLang="zh-CN" smtClean="0"/>
-              <a:t>9/6/2017</a:t>
+              <a:t>9/7/2017</a:t>
             </a:fld>
             <a:endParaRPr lang="en-US"/>
           </a:p>
@@ -5265,7 +5265,7 @@
           <a:p>
             <a:fld id="{EBEDA52C-3EEE-4289-818C-901C0A7814FE}" type="datetime1">
               <a:rPr lang="en-US" altLang="zh-CN" smtClean="0"/>
-              <a:t>9/6/2017</a:t>
+              <a:t>9/7/2017</a:t>
             </a:fld>
             <a:endParaRPr lang="en-US"/>
           </a:p>
@@ -5519,7 +5519,7 @@
           <a:p>
             <a:fld id="{09EF5D7F-EA15-485C-85DD-8FDC010A62D4}" type="datetime1">
               <a:rPr lang="en-US" altLang="zh-CN" smtClean="0"/>
-              <a:t>9/6/2017</a:t>
+              <a:t>9/7/2017</a:t>
             </a:fld>
             <a:endParaRPr lang="en-US"/>
           </a:p>
@@ -5759,7 +5759,7 @@
           <a:p>
             <a:fld id="{9541C2B2-0BAB-4CD4-83EE-25F1A7138896}" type="datetime1">
               <a:rPr lang="en-US" altLang="zh-CN" smtClean="0"/>
-              <a:t>9/6/2017</a:t>
+              <a:t>9/7/2017</a:t>
             </a:fld>
             <a:endParaRPr lang="en-US"/>
           </a:p>
@@ -6134,7 +6134,7 @@
           <a:p>
             <a:fld id="{7DEA23E7-D0FC-41DC-8745-BE6FC447B182}" type="datetime1">
               <a:rPr lang="en-US" altLang="zh-CN" smtClean="0"/>
-              <a:t>9/6/2017</a:t>
+              <a:t>9/7/2017</a:t>
             </a:fld>
             <a:endParaRPr lang="en-US"/>
           </a:p>
@@ -6919,7 +6919,7 @@
           <a:p>
             <a:fld id="{A1BE0A72-8501-4974-A7B7-5BD248ABBAFC}" type="datetime1">
               <a:rPr lang="zh-CN" altLang="en-US" smtClean="0"/>
-              <a:t>2017/9/6</a:t>
+              <a:t>2017/9/7</a:t>
             </a:fld>
             <a:endParaRPr lang="zh-CN" altLang="en-US"/>
           </a:p>
@@ -6972,7 +6972,7 @@
           <a:p>
             <a:fld id="{5DEA8378-5F33-490B-8120-8DE6B7EE2781}" type="datetime1">
               <a:rPr lang="en-US" altLang="zh-CN" smtClean="0"/>
-              <a:t>9/6/2017</a:t>
+              <a:t>9/7/2017</a:t>
             </a:fld>
             <a:endParaRPr lang="en-US"/>
           </a:p>
@@ -7226,7 +7226,7 @@
           <a:p>
             <a:fld id="{38DD30CF-78A7-4C73-91B4-38D3E3317745}" type="datetime1">
               <a:rPr lang="en-US" altLang="zh-CN" smtClean="0"/>
-              <a:t>9/6/2017</a:t>
+              <a:t>9/7/2017</a:t>
             </a:fld>
             <a:endParaRPr lang="en-US"/>
           </a:p>
@@ -7491,7 +7491,7 @@
           <a:p>
             <a:fld id="{0B7E01DD-16D0-4DBA-9C1A-51468BA0B73A}" type="datetime1">
               <a:rPr lang="en-US" altLang="zh-CN" smtClean="0"/>
-              <a:t>9/6/2017</a:t>
+              <a:t>9/7/2017</a:t>
             </a:fld>
             <a:endParaRPr lang="en-US"/>
           </a:p>
@@ -7669,7 +7669,7 @@
           <a:p>
             <a:fld id="{B587E63F-0E62-4A50-901F-E071D77F7634}" type="datetime1">
               <a:rPr lang="en-US" altLang="zh-CN" smtClean="0"/>
-              <a:t>9/6/2017</a:t>
+              <a:t>9/7/2017</a:t>
             </a:fld>
             <a:endParaRPr lang="en-US"/>
           </a:p>
@@ -7857,7 +7857,7 @@
           <a:p>
             <a:fld id="{BD8521E8-9297-400B-AD8C-0A4D05699D33}" type="datetime1">
               <a:rPr lang="en-US" altLang="zh-CN" smtClean="0"/>
-              <a:t>9/6/2017</a:t>
+              <a:t>9/7/2017</a:t>
             </a:fld>
             <a:endParaRPr lang="en-US"/>
           </a:p>
@@ -7960,7 +7960,7 @@
           <a:p>
             <a:fld id="{EF452D9C-F9EB-4417-9C3A-C876C2AF9415}" type="datetime1">
               <a:rPr lang="zh-CN" altLang="en-US" smtClean="0"/>
-              <a:t>2017/9/6</a:t>
+              <a:t>2017/9/7</a:t>
             </a:fld>
             <a:endParaRPr lang="zh-CN" altLang="en-US"/>
           </a:p>
@@ -8146,7 +8146,7 @@
           <a:p>
             <a:fld id="{2F2E9289-9B4C-49AE-BDDA-70D6EDC89D17}" type="datetime1">
               <a:rPr lang="zh-CN" altLang="en-US" smtClean="0"/>
-              <a:t>2017/9/6</a:t>
+              <a:t>2017/9/7</a:t>
             </a:fld>
             <a:endParaRPr lang="zh-CN" altLang="en-US"/>
           </a:p>
@@ -8316,7 +8316,7 @@
           <a:p>
             <a:fld id="{2F2E9289-9B4C-49AE-BDDA-70D6EDC89D17}" type="datetime1">
               <a:rPr lang="zh-CN" altLang="en-US" smtClean="0"/>
-              <a:t>2017/9/6</a:t>
+              <a:t>2017/9/7</a:t>
             </a:fld>
             <a:endParaRPr lang="zh-CN" altLang="en-US"/>
           </a:p>
@@ -8552,7 +8552,7 @@
           <a:p>
             <a:fld id="{8C5BA751-A251-47D6-8494-C134D9EBED5F}" type="datetime1">
               <a:rPr lang="zh-CN" altLang="en-US" smtClean="0"/>
-              <a:t>2017/9/6</a:t>
+              <a:t>2017/9/7</a:t>
             </a:fld>
             <a:endParaRPr lang="zh-CN" altLang="en-US"/>
           </a:p>
@@ -8908,7 +8908,7 @@
           <a:p>
             <a:fld id="{C46E2078-F302-4651-A2A2-2FC6C4E1A3F1}" type="datetime1">
               <a:rPr lang="zh-CN" altLang="en-US" smtClean="0"/>
-              <a:t>2017/9/6</a:t>
+              <a:t>2017/9/7</a:t>
             </a:fld>
             <a:endParaRPr lang="zh-CN" altLang="en-US"/>
           </a:p>
@@ -9030,7 +9030,7 @@
               <a:pPr>
                 <a:defRPr/>
               </a:pPr>
-              <a:t>2017/9/6</a:t>
+              <a:t>2017/9/7</a:t>
             </a:fld>
             <a:endParaRPr lang="zh-CN" altLang="en-US"/>
           </a:p>
@@ -9178,7 +9178,7 @@
           <a:p>
             <a:fld id="{A1BE0A72-8501-4974-A7B7-5BD248ABBAFC}" type="datetime1">
               <a:rPr lang="zh-CN" altLang="en-US" smtClean="0"/>
-              <a:t>2017/9/6</a:t>
+              <a:t>2017/9/7</a:t>
             </a:fld>
             <a:endParaRPr lang="zh-CN" altLang="en-US"/>
           </a:p>
@@ -9692,7 +9692,7 @@
           <a:p>
             <a:fld id="{A1BE0A72-8501-4974-A7B7-5BD248ABBAFC}" type="datetime1">
               <a:rPr lang="zh-CN" altLang="en-US" smtClean="0"/>
-              <a:t>2017/9/6</a:t>
+              <a:t>2017/9/7</a:t>
             </a:fld>
             <a:endParaRPr lang="zh-CN" altLang="en-US"/>
           </a:p>
@@ -10298,7 +10298,7 @@
           <a:p>
             <a:fld id="{7A78726F-0AD2-4A20-BC72-263D2D3F3A2F}" type="datetime1">
               <a:rPr lang="en-US" altLang="zh-CN" smtClean="0"/>
-              <a:t>9/6/2017</a:t>
+              <a:t>9/7/2017</a:t>
             </a:fld>
             <a:endParaRPr lang="en-US"/>
           </a:p>
@@ -11279,7 +11279,7 @@
           <a:p>
             <a:fld id="{A1BE0A72-8501-4974-A7B7-5BD248ABBAFC}" type="datetime1">
               <a:rPr lang="zh-CN" altLang="en-US" smtClean="0"/>
-              <a:t>2017/9/6</a:t>
+              <a:t>2017/9/7</a:t>
             </a:fld>
             <a:endParaRPr lang="zh-CN" altLang="en-US"/>
           </a:p>
@@ -11885,7 +11885,7 @@
           <a:p>
             <a:fld id="{7A78726F-0AD2-4A20-BC72-263D2D3F3A2F}" type="datetime1">
               <a:rPr lang="en-US" altLang="zh-CN" smtClean="0"/>
-              <a:t>9/6/2017</a:t>
+              <a:t>9/7/2017</a:t>
             </a:fld>
             <a:endParaRPr lang="en-US"/>
           </a:p>
@@ -14834,10 +14834,10 @@
       </p:sp>
       <p:pic>
         <p:nvPicPr>
-          <p:cNvPr id="5" name="图片 4">
+          <p:cNvPr id="6" name="图片 5">
             <a:extLst>
               <a:ext uri="{FF2B5EF4-FFF2-40B4-BE49-F238E27FC236}">
-                <a16:creationId xmlns:a16="http://schemas.microsoft.com/office/drawing/2014/main" id="{930B6B99-7791-40B4-AB69-E4B352FC53A8}"/>
+                <a16:creationId xmlns:a16="http://schemas.microsoft.com/office/drawing/2014/main" id="{00FA6C2F-B610-429A-A424-993BFB0AD2E1}"/>
               </a:ext>
             </a:extLst>
           </p:cNvPr>
@@ -14860,8 +14860,8 @@
         </p:blipFill>
         <p:spPr>
           <a:xfrm>
-            <a:off x="2027494" y="2637831"/>
-            <a:ext cx="7804764" cy="4128140"/>
+            <a:off x="2454499" y="2550593"/>
+            <a:ext cx="6610843" cy="4092427"/>
           </a:xfrm>
           <a:prstGeom prst="rect">
             <a:avLst/>

--- a/meterials/slides/ch11-wxpay-and-oauth.pptx
+++ b/meterials/slides/ch11-wxpay-and-oauth.pptx
@@ -9,10 +9,10 @@
     <p:sldMasterId id="2147483691" r:id="rId5"/>
   </p:sldMasterIdLst>
   <p:notesMasterIdLst>
-    <p:notesMasterId r:id="rId35"/>
+    <p:notesMasterId r:id="rId34"/>
   </p:notesMasterIdLst>
   <p:handoutMasterIdLst>
-    <p:handoutMasterId r:id="rId36"/>
+    <p:handoutMasterId r:id="rId35"/>
   </p:handoutMasterIdLst>
   <p:sldIdLst>
     <p:sldId id="257" r:id="rId6"/>
@@ -38,17 +38,16 @@
     <p:sldId id="477" r:id="rId26"/>
     <p:sldId id="472" r:id="rId27"/>
     <p:sldId id="469" r:id="rId28"/>
-    <p:sldId id="491" r:id="rId29"/>
-    <p:sldId id="487" r:id="rId30"/>
-    <p:sldId id="492" r:id="rId31"/>
-    <p:sldId id="488" r:id="rId32"/>
-    <p:sldId id="493" r:id="rId33"/>
-    <p:sldId id="311" r:id="rId34"/>
+    <p:sldId id="487" r:id="rId29"/>
+    <p:sldId id="492" r:id="rId30"/>
+    <p:sldId id="488" r:id="rId31"/>
+    <p:sldId id="493" r:id="rId32"/>
+    <p:sldId id="311" r:id="rId33"/>
   </p:sldIdLst>
   <p:sldSz cx="12192000" cy="6858000"/>
   <p:notesSz cx="6858000" cy="9144000"/>
   <p:custDataLst>
-    <p:tags r:id="rId37"/>
+    <p:tags r:id="rId36"/>
   </p:custDataLst>
   <p:defaultTextStyle>
     <a:defPPr>
@@ -956,7 +955,7 @@
                 <a:ea typeface="宋体" charset="-122"/>
               </a:rPr>
               <a:pPr algn="r" eaLnBrk="1" hangingPunct="1"/>
-              <a:t>29</a:t>
+              <a:t>28</a:t>
             </a:fld>
             <a:endParaRPr lang="zh-CN" altLang="en-US" sz="1200">
               <a:latin typeface="Calibri" pitchFamily="34" charset="0"/>
@@ -17661,11 +17660,11 @@
                     <a:p>
                       <a:pPr algn="ctr"/>
                       <a:r>
-                        <a:rPr lang="zh-CN" altLang="en-US" sz="1600"/>
+                        <a:rPr lang="zh-CN" altLang="en-US" sz="1600" dirty="0"/>
                         <a:t>返回类型，请填写</a:t>
                       </a:r>
                       <a:r>
-                        <a:rPr lang="en-US" altLang="zh-CN" sz="1600"/>
+                        <a:rPr lang="en-US" altLang="zh-CN" sz="1600" dirty="0"/>
                         <a:t>code</a:t>
                       </a:r>
                     </a:p>
@@ -18647,7 +18646,7 @@
                     <a:p>
                       <a:pPr algn="ctr"/>
                       <a:r>
-                        <a:rPr lang="zh-CN" altLang="en-US"/>
+                        <a:rPr lang="zh-CN" altLang="en-US" dirty="0"/>
                         <a:t>是</a:t>
                       </a:r>
                     </a:p>
@@ -18943,861 +18942,6 @@
         <p:spPr>
           <a:xfrm>
             <a:off x="1054099" y="543636"/>
-            <a:ext cx="6003925" cy="685800"/>
-          </a:xfrm>
-        </p:spPr>
-        <p:txBody>
-          <a:bodyPr/>
-          <a:lstStyle/>
-          <a:p>
-            <a:r>
-              <a:rPr lang="zh-CN" altLang="en-US" b="0" dirty="0"/>
-              <a:t>微信授权处理流程</a:t>
-            </a:r>
-            <a:r>
-              <a:rPr lang="en-US" altLang="zh-CN" b="0" dirty="0"/>
-              <a:t>2</a:t>
-            </a:r>
-            <a:endParaRPr lang="zh-CN" altLang="en-US" b="0" dirty="0"/>
-          </a:p>
-        </p:txBody>
-      </p:sp>
-      <p:sp>
-        <p:nvSpPr>
-          <p:cNvPr id="3" name="矩形 2">
-            <a:extLst>
-              <a:ext uri="{FF2B5EF4-FFF2-40B4-BE49-F238E27FC236}">
-                <a16:creationId xmlns:a16="http://schemas.microsoft.com/office/drawing/2014/main" id="{4589DC6A-B345-497F-9686-73DB83ABC5F2}"/>
-              </a:ext>
-            </a:extLst>
-          </p:cNvPr>
-          <p:cNvSpPr/>
-          <p:nvPr/>
-        </p:nvSpPr>
-        <p:spPr>
-          <a:xfrm>
-            <a:off x="1054099" y="1671172"/>
-            <a:ext cx="9869540" cy="2308324"/>
-          </a:xfrm>
-          <a:prstGeom prst="rect">
-            <a:avLst/>
-          </a:prstGeom>
-        </p:spPr>
-        <p:txBody>
-          <a:bodyPr wrap="square">
-            <a:spAutoFit/>
-          </a:bodyPr>
-          <a:lstStyle/>
-          <a:p>
-            <a:r>
-              <a:rPr lang="zh-CN" altLang="en-US" b="1" dirty="0"/>
-              <a:t>第二步：通过</a:t>
-            </a:r>
-            <a:r>
-              <a:rPr lang="en-US" altLang="zh-CN" b="1" dirty="0"/>
-              <a:t>code</a:t>
-            </a:r>
-            <a:r>
-              <a:rPr lang="zh-CN" altLang="en-US" b="1" dirty="0"/>
-              <a:t>换取网页授权</a:t>
-            </a:r>
-            <a:r>
-              <a:rPr lang="en-US" altLang="zh-CN" b="1" dirty="0" err="1"/>
-              <a:t>access_token</a:t>
-            </a:r>
-            <a:endParaRPr lang="en-US" altLang="zh-CN" b="1" dirty="0"/>
-          </a:p>
-          <a:p>
-            <a:pPr lvl="1"/>
-            <a:r>
-              <a:rPr lang="en-US" altLang="zh-CN" dirty="0"/>
-              <a:t> https://api.weixin.qq.com/sns/oauth2/access_token?appid=APPID&amp;secret=SECRET&amp;code=CODE&amp;grant_type=authorization_code </a:t>
-            </a:r>
-          </a:p>
-          <a:p>
-            <a:pPr lvl="1"/>
-            <a:endParaRPr lang="en-US" altLang="zh-CN" dirty="0"/>
-          </a:p>
-          <a:p>
-            <a:r>
-              <a:rPr lang="zh-CN" altLang="en-US" dirty="0">
-                <a:solidFill>
-                  <a:schemeClr val="accent6">
-                    <a:lumMod val="75000"/>
-                  </a:schemeClr>
-                </a:solidFill>
-                <a:latin typeface="+mn-ea"/>
-              </a:rPr>
-              <a:t>注意：这里通过</a:t>
-            </a:r>
-            <a:r>
-              <a:rPr lang="en-US" altLang="zh-CN" dirty="0">
-                <a:solidFill>
-                  <a:schemeClr val="accent6">
-                    <a:lumMod val="75000"/>
-                  </a:schemeClr>
-                </a:solidFill>
-                <a:latin typeface="+mn-ea"/>
-              </a:rPr>
-              <a:t>code</a:t>
-            </a:r>
-            <a:r>
-              <a:rPr lang="zh-CN" altLang="en-US" dirty="0">
-                <a:solidFill>
-                  <a:schemeClr val="accent6">
-                    <a:lumMod val="75000"/>
-                  </a:schemeClr>
-                </a:solidFill>
-                <a:latin typeface="+mn-ea"/>
-              </a:rPr>
-              <a:t>换取的是一个特殊的网页授权</a:t>
-            </a:r>
-            <a:r>
-              <a:rPr lang="en-US" altLang="zh-CN" dirty="0" err="1">
-                <a:solidFill>
-                  <a:schemeClr val="accent6">
-                    <a:lumMod val="75000"/>
-                  </a:schemeClr>
-                </a:solidFill>
-                <a:latin typeface="+mn-ea"/>
-              </a:rPr>
-              <a:t>access_token</a:t>
-            </a:r>
-            <a:r>
-              <a:rPr lang="en-US" altLang="zh-CN" dirty="0">
-                <a:solidFill>
-                  <a:schemeClr val="accent6">
-                    <a:lumMod val="75000"/>
-                  </a:schemeClr>
-                </a:solidFill>
-                <a:latin typeface="+mn-ea"/>
-              </a:rPr>
-              <a:t>,</a:t>
-            </a:r>
-            <a:r>
-              <a:rPr lang="zh-CN" altLang="en-US" dirty="0">
-                <a:solidFill>
-                  <a:schemeClr val="accent6">
-                    <a:lumMod val="75000"/>
-                  </a:schemeClr>
-                </a:solidFill>
-                <a:latin typeface="+mn-ea"/>
-              </a:rPr>
-              <a:t>与基础支持中的</a:t>
-            </a:r>
-            <a:r>
-              <a:rPr lang="en-US" altLang="zh-CN" dirty="0" err="1">
-                <a:solidFill>
-                  <a:schemeClr val="accent6">
-                    <a:lumMod val="75000"/>
-                  </a:schemeClr>
-                </a:solidFill>
-                <a:latin typeface="+mn-ea"/>
-              </a:rPr>
-              <a:t>access_token</a:t>
-            </a:r>
-            <a:r>
-              <a:rPr lang="zh-CN" altLang="en-US" dirty="0">
-                <a:solidFill>
-                  <a:schemeClr val="accent6">
-                    <a:lumMod val="75000"/>
-                  </a:schemeClr>
-                </a:solidFill>
-                <a:latin typeface="+mn-ea"/>
-              </a:rPr>
-              <a:t>（该</a:t>
-            </a:r>
-            <a:r>
-              <a:rPr lang="en-US" altLang="zh-CN" dirty="0" err="1">
-                <a:solidFill>
-                  <a:schemeClr val="accent6">
-                    <a:lumMod val="75000"/>
-                  </a:schemeClr>
-                </a:solidFill>
-                <a:latin typeface="+mn-ea"/>
-              </a:rPr>
-              <a:t>access_token</a:t>
-            </a:r>
-            <a:r>
-              <a:rPr lang="zh-CN" altLang="en-US" dirty="0">
-                <a:solidFill>
-                  <a:schemeClr val="accent6">
-                    <a:lumMod val="75000"/>
-                  </a:schemeClr>
-                </a:solidFill>
-                <a:latin typeface="+mn-ea"/>
-              </a:rPr>
-              <a:t>用于调用其他接口）不同。公众号可通过下述接口来获取网页授权</a:t>
-            </a:r>
-            <a:r>
-              <a:rPr lang="en-US" altLang="zh-CN" dirty="0" err="1">
-                <a:solidFill>
-                  <a:schemeClr val="accent6">
-                    <a:lumMod val="75000"/>
-                  </a:schemeClr>
-                </a:solidFill>
-                <a:latin typeface="+mn-ea"/>
-              </a:rPr>
-              <a:t>access_token</a:t>
-            </a:r>
-            <a:r>
-              <a:rPr lang="zh-CN" altLang="en-US" dirty="0">
-                <a:solidFill>
-                  <a:schemeClr val="accent6">
-                    <a:lumMod val="75000"/>
-                  </a:schemeClr>
-                </a:solidFill>
-                <a:latin typeface="+mn-ea"/>
-              </a:rPr>
-              <a:t>。如果网页授权的作用域为</a:t>
-            </a:r>
-            <a:r>
-              <a:rPr lang="en-US" altLang="zh-CN" dirty="0" err="1">
-                <a:solidFill>
-                  <a:schemeClr val="accent6">
-                    <a:lumMod val="75000"/>
-                  </a:schemeClr>
-                </a:solidFill>
-                <a:latin typeface="+mn-ea"/>
-              </a:rPr>
-              <a:t>snsapi_base</a:t>
-            </a:r>
-            <a:r>
-              <a:rPr lang="zh-CN" altLang="en-US" dirty="0">
-                <a:solidFill>
-                  <a:schemeClr val="accent6">
-                    <a:lumMod val="75000"/>
-                  </a:schemeClr>
-                </a:solidFill>
-                <a:latin typeface="+mn-ea"/>
-              </a:rPr>
-              <a:t>，则本步骤中获取到网页授权</a:t>
-            </a:r>
-            <a:r>
-              <a:rPr lang="en-US" altLang="zh-CN" dirty="0" err="1">
-                <a:solidFill>
-                  <a:schemeClr val="accent6">
-                    <a:lumMod val="75000"/>
-                  </a:schemeClr>
-                </a:solidFill>
-                <a:latin typeface="+mn-ea"/>
-              </a:rPr>
-              <a:t>access_token</a:t>
-            </a:r>
-            <a:r>
-              <a:rPr lang="zh-CN" altLang="en-US" dirty="0">
-                <a:solidFill>
-                  <a:schemeClr val="accent6">
-                    <a:lumMod val="75000"/>
-                  </a:schemeClr>
-                </a:solidFill>
-                <a:latin typeface="+mn-ea"/>
-              </a:rPr>
-              <a:t>的同时，也获取到了</a:t>
-            </a:r>
-            <a:r>
-              <a:rPr lang="en-US" altLang="zh-CN" dirty="0" err="1">
-                <a:solidFill>
-                  <a:schemeClr val="accent6">
-                    <a:lumMod val="75000"/>
-                  </a:schemeClr>
-                </a:solidFill>
-                <a:latin typeface="+mn-ea"/>
-              </a:rPr>
-              <a:t>openid</a:t>
-            </a:r>
-            <a:r>
-              <a:rPr lang="zh-CN" altLang="en-US" dirty="0">
-                <a:solidFill>
-                  <a:schemeClr val="accent6">
-                    <a:lumMod val="75000"/>
-                  </a:schemeClr>
-                </a:solidFill>
-                <a:latin typeface="+mn-ea"/>
-              </a:rPr>
-              <a:t>，</a:t>
-            </a:r>
-            <a:r>
-              <a:rPr lang="en-US" altLang="zh-CN" dirty="0" err="1">
-                <a:solidFill>
-                  <a:schemeClr val="accent6">
-                    <a:lumMod val="75000"/>
-                  </a:schemeClr>
-                </a:solidFill>
-                <a:latin typeface="+mn-ea"/>
-              </a:rPr>
-              <a:t>snsapi_base</a:t>
-            </a:r>
-            <a:r>
-              <a:rPr lang="zh-CN" altLang="en-US" dirty="0">
-                <a:solidFill>
-                  <a:schemeClr val="accent6">
-                    <a:lumMod val="75000"/>
-                  </a:schemeClr>
-                </a:solidFill>
-                <a:latin typeface="+mn-ea"/>
-              </a:rPr>
-              <a:t>式的网页授权流程即到此为止。</a:t>
-            </a:r>
-          </a:p>
-        </p:txBody>
-      </p:sp>
-      <p:graphicFrame>
-        <p:nvGraphicFramePr>
-          <p:cNvPr id="4" name="表格 3">
-            <a:extLst>
-              <a:ext uri="{FF2B5EF4-FFF2-40B4-BE49-F238E27FC236}">
-                <a16:creationId xmlns:a16="http://schemas.microsoft.com/office/drawing/2014/main" id="{A6AC4337-17D8-4EC5-AA15-3847B926FB09}"/>
-              </a:ext>
-            </a:extLst>
-          </p:cNvPr>
-          <p:cNvGraphicFramePr>
-            <a:graphicFrameLocks noGrp="1"/>
-          </p:cNvGraphicFramePr>
-          <p:nvPr/>
-        </p:nvGraphicFramePr>
-        <p:xfrm>
-          <a:off x="1054099" y="4417948"/>
-          <a:ext cx="7667114" cy="1676400"/>
-        </p:xfrm>
-        <a:graphic>
-          <a:graphicData uri="http://schemas.openxmlformats.org/drawingml/2006/table">
-            <a:tbl>
-              <a:tblPr/>
-              <a:tblGrid>
-                <a:gridCol w="1437584">
-                  <a:extLst>
-                    <a:ext uri="{9D8B030D-6E8A-4147-A177-3AD203B41FA5}">
-                      <a16:colId xmlns:a16="http://schemas.microsoft.com/office/drawing/2014/main" val="2681978697"/>
-                    </a:ext>
-                  </a:extLst>
-                </a:gridCol>
-                <a:gridCol w="1437584">
-                  <a:extLst>
-                    <a:ext uri="{9D8B030D-6E8A-4147-A177-3AD203B41FA5}">
-                      <a16:colId xmlns:a16="http://schemas.microsoft.com/office/drawing/2014/main" val="3041299238"/>
-                    </a:ext>
-                  </a:extLst>
-                </a:gridCol>
-                <a:gridCol w="4791946">
-                  <a:extLst>
-                    <a:ext uri="{9D8B030D-6E8A-4147-A177-3AD203B41FA5}">
-                      <a16:colId xmlns:a16="http://schemas.microsoft.com/office/drawing/2014/main" val="975808291"/>
-                    </a:ext>
-                  </a:extLst>
-                </a:gridCol>
-              </a:tblGrid>
-              <a:tr h="0">
-                <a:tc>
-                  <a:txBody>
-                    <a:bodyPr/>
-                    <a:lstStyle/>
-                    <a:p>
-                      <a:pPr algn="ctr"/>
-                      <a:r>
-                        <a:rPr lang="zh-CN" altLang="en-US" b="1" dirty="0">
-                          <a:effectLst/>
-                        </a:rPr>
-                        <a:t>参数</a:t>
-                      </a:r>
-                    </a:p>
-                  </a:txBody>
-                  <a:tcPr marL="30480" marR="30480" marT="30480" marB="30480" anchor="ctr">
-                    <a:lnL>
-                      <a:noFill/>
-                    </a:lnL>
-                    <a:lnR>
-                      <a:noFill/>
-                    </a:lnR>
-                    <a:lnT>
-                      <a:noFill/>
-                    </a:lnT>
-                    <a:lnB>
-                      <a:noFill/>
-                    </a:lnB>
-                  </a:tcPr>
-                </a:tc>
-                <a:tc>
-                  <a:txBody>
-                    <a:bodyPr/>
-                    <a:lstStyle/>
-                    <a:p>
-                      <a:pPr algn="ctr"/>
-                      <a:r>
-                        <a:rPr lang="zh-CN" altLang="en-US" b="1" dirty="0">
-                          <a:effectLst/>
-                        </a:rPr>
-                        <a:t>是否必须</a:t>
-                      </a:r>
-                    </a:p>
-                  </a:txBody>
-                  <a:tcPr marL="30480" marR="30480" marT="30480" marB="30480" anchor="ctr">
-                    <a:lnL>
-                      <a:noFill/>
-                    </a:lnL>
-                    <a:lnR>
-                      <a:noFill/>
-                    </a:lnR>
-                    <a:lnT>
-                      <a:noFill/>
-                    </a:lnT>
-                    <a:lnB>
-                      <a:noFill/>
-                    </a:lnB>
-                  </a:tcPr>
-                </a:tc>
-                <a:tc>
-                  <a:txBody>
-                    <a:bodyPr/>
-                    <a:lstStyle/>
-                    <a:p>
-                      <a:pPr algn="ctr"/>
-                      <a:r>
-                        <a:rPr lang="zh-CN" altLang="en-US" b="1" dirty="0"/>
-                        <a:t>说明</a:t>
-                      </a:r>
-                    </a:p>
-                  </a:txBody>
-                  <a:tcPr marL="30480" marR="30480" marT="30480" marB="30480" anchor="ctr">
-                    <a:lnL>
-                      <a:noFill/>
-                    </a:lnL>
-                    <a:lnR>
-                      <a:noFill/>
-                    </a:lnR>
-                    <a:lnT>
-                      <a:noFill/>
-                    </a:lnT>
-                    <a:lnB>
-                      <a:noFill/>
-                    </a:lnB>
-                  </a:tcPr>
-                </a:tc>
-                <a:extLst>
-                  <a:ext uri="{0D108BD9-81ED-4DB2-BD59-A6C34878D82A}">
-                    <a16:rowId xmlns:a16="http://schemas.microsoft.com/office/drawing/2014/main" val="2117879367"/>
-                  </a:ext>
-                </a:extLst>
-              </a:tr>
-              <a:tr h="0">
-                <a:tc>
-                  <a:txBody>
-                    <a:bodyPr/>
-                    <a:lstStyle/>
-                    <a:p>
-                      <a:pPr algn="ctr"/>
-                      <a:r>
-                        <a:rPr lang="en-US"/>
-                        <a:t>appid</a:t>
-                      </a:r>
-                    </a:p>
-                  </a:txBody>
-                  <a:tcPr marL="30480" marR="30480" marT="30480" marB="30480" anchor="ctr">
-                    <a:lnL>
-                      <a:noFill/>
-                    </a:lnL>
-                    <a:lnR>
-                      <a:noFill/>
-                    </a:lnR>
-                    <a:lnT>
-                      <a:noFill/>
-                    </a:lnT>
-                    <a:lnB>
-                      <a:noFill/>
-                    </a:lnB>
-                  </a:tcPr>
-                </a:tc>
-                <a:tc>
-                  <a:txBody>
-                    <a:bodyPr/>
-                    <a:lstStyle/>
-                    <a:p>
-                      <a:pPr algn="ctr"/>
-                      <a:r>
-                        <a:rPr lang="zh-CN" altLang="en-US"/>
-                        <a:t>是</a:t>
-                      </a:r>
-                    </a:p>
-                  </a:txBody>
-                  <a:tcPr marL="30480" marR="30480" marT="30480" marB="30480" anchor="ctr">
-                    <a:lnL>
-                      <a:noFill/>
-                    </a:lnL>
-                    <a:lnR>
-                      <a:noFill/>
-                    </a:lnR>
-                    <a:lnT>
-                      <a:noFill/>
-                    </a:lnT>
-                    <a:lnB>
-                      <a:noFill/>
-                    </a:lnB>
-                  </a:tcPr>
-                </a:tc>
-                <a:tc>
-                  <a:txBody>
-                    <a:bodyPr/>
-                    <a:lstStyle/>
-                    <a:p>
-                      <a:pPr algn="ctr"/>
-                      <a:r>
-                        <a:rPr lang="zh-CN" altLang="en-US"/>
-                        <a:t>公众号的唯一标识</a:t>
-                      </a:r>
-                    </a:p>
-                  </a:txBody>
-                  <a:tcPr marL="30480" marR="30480" marT="30480" marB="30480" anchor="ctr">
-                    <a:lnL>
-                      <a:noFill/>
-                    </a:lnL>
-                    <a:lnR>
-                      <a:noFill/>
-                    </a:lnR>
-                    <a:lnT>
-                      <a:noFill/>
-                    </a:lnT>
-                    <a:lnB>
-                      <a:noFill/>
-                    </a:lnB>
-                  </a:tcPr>
-                </a:tc>
-                <a:extLst>
-                  <a:ext uri="{0D108BD9-81ED-4DB2-BD59-A6C34878D82A}">
-                    <a16:rowId xmlns:a16="http://schemas.microsoft.com/office/drawing/2014/main" val="2890914311"/>
-                  </a:ext>
-                </a:extLst>
-              </a:tr>
-              <a:tr h="0">
-                <a:tc>
-                  <a:txBody>
-                    <a:bodyPr/>
-                    <a:lstStyle/>
-                    <a:p>
-                      <a:pPr algn="ctr"/>
-                      <a:r>
-                        <a:rPr lang="en-US"/>
-                        <a:t>secret</a:t>
-                      </a:r>
-                    </a:p>
-                  </a:txBody>
-                  <a:tcPr marL="30480" marR="30480" marT="30480" marB="30480" anchor="ctr">
-                    <a:lnL>
-                      <a:noFill/>
-                    </a:lnL>
-                    <a:lnR>
-                      <a:noFill/>
-                    </a:lnR>
-                    <a:lnT>
-                      <a:noFill/>
-                    </a:lnT>
-                    <a:lnB>
-                      <a:noFill/>
-                    </a:lnB>
-                  </a:tcPr>
-                </a:tc>
-                <a:tc>
-                  <a:txBody>
-                    <a:bodyPr/>
-                    <a:lstStyle/>
-                    <a:p>
-                      <a:pPr algn="ctr"/>
-                      <a:r>
-                        <a:rPr lang="zh-CN" altLang="en-US"/>
-                        <a:t>是</a:t>
-                      </a:r>
-                    </a:p>
-                  </a:txBody>
-                  <a:tcPr marL="30480" marR="30480" marT="30480" marB="30480" anchor="ctr">
-                    <a:lnL>
-                      <a:noFill/>
-                    </a:lnL>
-                    <a:lnR>
-                      <a:noFill/>
-                    </a:lnR>
-                    <a:lnT>
-                      <a:noFill/>
-                    </a:lnT>
-                    <a:lnB>
-                      <a:noFill/>
-                    </a:lnB>
-                  </a:tcPr>
-                </a:tc>
-                <a:tc>
-                  <a:txBody>
-                    <a:bodyPr/>
-                    <a:lstStyle/>
-                    <a:p>
-                      <a:pPr algn="ctr"/>
-                      <a:r>
-                        <a:rPr lang="zh-CN" altLang="en-US"/>
-                        <a:t>公众号的</a:t>
-                      </a:r>
-                      <a:r>
-                        <a:rPr lang="en-US"/>
-                        <a:t>appsecret</a:t>
-                      </a:r>
-                    </a:p>
-                  </a:txBody>
-                  <a:tcPr marL="30480" marR="30480" marT="30480" marB="30480" anchor="ctr">
-                    <a:lnL>
-                      <a:noFill/>
-                    </a:lnL>
-                    <a:lnR>
-                      <a:noFill/>
-                    </a:lnR>
-                    <a:lnT>
-                      <a:noFill/>
-                    </a:lnT>
-                    <a:lnB>
-                      <a:noFill/>
-                    </a:lnB>
-                  </a:tcPr>
-                </a:tc>
-                <a:extLst>
-                  <a:ext uri="{0D108BD9-81ED-4DB2-BD59-A6C34878D82A}">
-                    <a16:rowId xmlns:a16="http://schemas.microsoft.com/office/drawing/2014/main" val="3545410022"/>
-                  </a:ext>
-                </a:extLst>
-              </a:tr>
-              <a:tr h="0">
-                <a:tc>
-                  <a:txBody>
-                    <a:bodyPr/>
-                    <a:lstStyle/>
-                    <a:p>
-                      <a:pPr algn="ctr"/>
-                      <a:r>
-                        <a:rPr lang="en-US"/>
-                        <a:t>code</a:t>
-                      </a:r>
-                    </a:p>
-                  </a:txBody>
-                  <a:tcPr marL="30480" marR="30480" marT="30480" marB="30480" anchor="ctr">
-                    <a:lnL>
-                      <a:noFill/>
-                    </a:lnL>
-                    <a:lnR>
-                      <a:noFill/>
-                    </a:lnR>
-                    <a:lnT>
-                      <a:noFill/>
-                    </a:lnT>
-                    <a:lnB>
-                      <a:noFill/>
-                    </a:lnB>
-                  </a:tcPr>
-                </a:tc>
-                <a:tc>
-                  <a:txBody>
-                    <a:bodyPr/>
-                    <a:lstStyle/>
-                    <a:p>
-                      <a:pPr algn="ctr"/>
-                      <a:r>
-                        <a:rPr lang="zh-CN" altLang="en-US"/>
-                        <a:t>是</a:t>
-                      </a:r>
-                    </a:p>
-                  </a:txBody>
-                  <a:tcPr marL="30480" marR="30480" marT="30480" marB="30480" anchor="ctr">
-                    <a:lnL>
-                      <a:noFill/>
-                    </a:lnL>
-                    <a:lnR>
-                      <a:noFill/>
-                    </a:lnR>
-                    <a:lnT>
-                      <a:noFill/>
-                    </a:lnT>
-                    <a:lnB>
-                      <a:noFill/>
-                    </a:lnB>
-                  </a:tcPr>
-                </a:tc>
-                <a:tc>
-                  <a:txBody>
-                    <a:bodyPr/>
-                    <a:lstStyle/>
-                    <a:p>
-                      <a:pPr algn="ctr"/>
-                      <a:r>
-                        <a:rPr lang="zh-CN" altLang="en-US"/>
-                        <a:t>填写第一步获取的</a:t>
-                      </a:r>
-                      <a:r>
-                        <a:rPr lang="en-US" altLang="zh-CN"/>
-                        <a:t>code</a:t>
-                      </a:r>
-                      <a:r>
-                        <a:rPr lang="zh-CN" altLang="en-US"/>
-                        <a:t>参数</a:t>
-                      </a:r>
-                    </a:p>
-                  </a:txBody>
-                  <a:tcPr marL="30480" marR="30480" marT="30480" marB="30480" anchor="ctr">
-                    <a:lnL>
-                      <a:noFill/>
-                    </a:lnL>
-                    <a:lnR>
-                      <a:noFill/>
-                    </a:lnR>
-                    <a:lnT>
-                      <a:noFill/>
-                    </a:lnT>
-                    <a:lnB>
-                      <a:noFill/>
-                    </a:lnB>
-                  </a:tcPr>
-                </a:tc>
-                <a:extLst>
-                  <a:ext uri="{0D108BD9-81ED-4DB2-BD59-A6C34878D82A}">
-                    <a16:rowId xmlns:a16="http://schemas.microsoft.com/office/drawing/2014/main" val="777935065"/>
-                  </a:ext>
-                </a:extLst>
-              </a:tr>
-              <a:tr h="0">
-                <a:tc>
-                  <a:txBody>
-                    <a:bodyPr/>
-                    <a:lstStyle/>
-                    <a:p>
-                      <a:pPr algn="ctr"/>
-                      <a:r>
-                        <a:rPr lang="en-US"/>
-                        <a:t>grant_type</a:t>
-                      </a:r>
-                    </a:p>
-                  </a:txBody>
-                  <a:tcPr marL="30480" marR="30480" marT="30480" marB="30480" anchor="ctr">
-                    <a:lnL>
-                      <a:noFill/>
-                    </a:lnL>
-                    <a:lnR>
-                      <a:noFill/>
-                    </a:lnR>
-                    <a:lnT>
-                      <a:noFill/>
-                    </a:lnT>
-                    <a:lnB>
-                      <a:noFill/>
-                    </a:lnB>
-                  </a:tcPr>
-                </a:tc>
-                <a:tc>
-                  <a:txBody>
-                    <a:bodyPr/>
-                    <a:lstStyle/>
-                    <a:p>
-                      <a:pPr algn="ctr"/>
-                      <a:r>
-                        <a:rPr lang="zh-CN" altLang="en-US"/>
-                        <a:t>是</a:t>
-                      </a:r>
-                    </a:p>
-                  </a:txBody>
-                  <a:tcPr marL="30480" marR="30480" marT="30480" marB="30480" anchor="ctr">
-                    <a:lnL>
-                      <a:noFill/>
-                    </a:lnL>
-                    <a:lnR>
-                      <a:noFill/>
-                    </a:lnR>
-                    <a:lnT>
-                      <a:noFill/>
-                    </a:lnT>
-                    <a:lnB>
-                      <a:noFill/>
-                    </a:lnB>
-                  </a:tcPr>
-                </a:tc>
-                <a:tc>
-                  <a:txBody>
-                    <a:bodyPr/>
-                    <a:lstStyle/>
-                    <a:p>
-                      <a:pPr algn="ctr"/>
-                      <a:r>
-                        <a:rPr lang="zh-CN" altLang="en-US" dirty="0"/>
-                        <a:t>填写为</a:t>
-                      </a:r>
-                      <a:r>
-                        <a:rPr lang="en-US" dirty="0" err="1"/>
-                        <a:t>authorization_code</a:t>
-                      </a:r>
-                      <a:r>
-                        <a:rPr lang="en-US" dirty="0"/>
-                        <a:t>   </a:t>
-                      </a:r>
-                    </a:p>
-                  </a:txBody>
-                  <a:tcPr marL="30480" marR="30480" marT="30480" marB="30480" anchor="ctr">
-                    <a:lnL>
-                      <a:noFill/>
-                    </a:lnL>
-                    <a:lnR>
-                      <a:noFill/>
-                    </a:lnR>
-                    <a:lnT>
-                      <a:noFill/>
-                    </a:lnT>
-                    <a:lnB>
-                      <a:noFill/>
-                    </a:lnB>
-                  </a:tcPr>
-                </a:tc>
-                <a:extLst>
-                  <a:ext uri="{0D108BD9-81ED-4DB2-BD59-A6C34878D82A}">
-                    <a16:rowId xmlns:a16="http://schemas.microsoft.com/office/drawing/2014/main" val="1460922833"/>
-                  </a:ext>
-                </a:extLst>
-              </a:tr>
-            </a:tbl>
-          </a:graphicData>
-        </a:graphic>
-      </p:graphicFrame>
-    </p:spTree>
-    <p:extLst>
-      <p:ext uri="{BB962C8B-B14F-4D97-AF65-F5344CB8AC3E}">
-        <p14:creationId xmlns:p14="http://schemas.microsoft.com/office/powerpoint/2010/main" val="3940968577"/>
-      </p:ext>
-    </p:extLst>
-  </p:cSld>
-  <p:clrMapOvr>
-    <a:masterClrMapping/>
-  </p:clrMapOvr>
-</p:sld>
-</file>
-
-<file path=ppt/slides/slide25.xml><?xml version="1.0" encoding="utf-8"?>
-<p:sld xmlns:a="http://schemas.openxmlformats.org/drawingml/2006/main" xmlns:r="http://schemas.openxmlformats.org/officeDocument/2006/relationships" xmlns:p="http://schemas.openxmlformats.org/presentationml/2006/main">
-  <p:cSld>
-    <p:spTree>
-      <p:nvGrpSpPr>
-        <p:cNvPr id="1" name=""/>
-        <p:cNvGrpSpPr/>
-        <p:nvPr/>
-      </p:nvGrpSpPr>
-      <p:grpSpPr>
-        <a:xfrm>
-          <a:off x="0" y="0"/>
-          <a:ext cx="0" cy="0"/>
-          <a:chOff x="0" y="0"/>
-          <a:chExt cx="0" cy="0"/>
-        </a:xfrm>
-      </p:grpSpPr>
-      <p:sp>
-        <p:nvSpPr>
-          <p:cNvPr id="2" name="内容占位符 1"/>
-          <p:cNvSpPr>
-            <a:spLocks noGrp="1"/>
-          </p:cNvSpPr>
-          <p:nvPr>
-            <p:ph sz="quarter" idx="13"/>
-          </p:nvPr>
-        </p:nvSpPr>
-        <p:spPr>
-          <a:xfrm>
-            <a:off x="1054099" y="543636"/>
             <a:ext cx="7637617" cy="685800"/>
           </a:xfrm>
         </p:spPr>
@@ -19977,7 +19121,7 @@
 </p:sld>
 </file>
 
-<file path=ppt/slides/slide26.xml><?xml version="1.0" encoding="utf-8"?>
+<file path=ppt/slides/slide25.xml><?xml version="1.0" encoding="utf-8"?>
 <p:sld xmlns:a="http://schemas.openxmlformats.org/drawingml/2006/main" xmlns:r="http://schemas.openxmlformats.org/officeDocument/2006/relationships" xmlns:p="http://schemas.openxmlformats.org/presentationml/2006/main">
   <p:cSld>
     <p:spTree>
@@ -20668,7 +19812,7 @@
 </p:sld>
 </file>
 
-<file path=ppt/slides/slide27.xml><?xml version="1.0" encoding="utf-8"?>
+<file path=ppt/slides/slide26.xml><?xml version="1.0" encoding="utf-8"?>
 <p:sld xmlns:a="http://schemas.openxmlformats.org/drawingml/2006/main" xmlns:r="http://schemas.openxmlformats.org/officeDocument/2006/relationships" xmlns:p="http://schemas.openxmlformats.org/presentationml/2006/main">
   <p:cSld>
     <p:spTree>
@@ -20989,7 +20133,7 @@
 </p:sld>
 </file>
 
-<file path=ppt/slides/slide28.xml><?xml version="1.0" encoding="utf-8"?>
+<file path=ppt/slides/slide27.xml><?xml version="1.0" encoding="utf-8"?>
 <p:sld xmlns:a="http://schemas.openxmlformats.org/drawingml/2006/main" xmlns:r="http://schemas.openxmlformats.org/officeDocument/2006/relationships" xmlns:p="http://schemas.openxmlformats.org/presentationml/2006/main">
   <p:cSld>
     <p:spTree>
@@ -21801,7 +20945,7 @@
 </p:sld>
 </file>
 
-<file path=ppt/slides/slide29.xml><?xml version="1.0" encoding="utf-8"?>
+<file path=ppt/slides/slide28.xml><?xml version="1.0" encoding="utf-8"?>
 <p:sld xmlns:a="http://schemas.openxmlformats.org/drawingml/2006/main" xmlns:r="http://schemas.openxmlformats.org/officeDocument/2006/relationships" xmlns:p="http://schemas.openxmlformats.org/presentationml/2006/main">
   <p:cSld>
     <p:spTree>
